--- a/Bug Tracker .pptx
+++ b/Bug Tracker .pptx
@@ -266,7 +266,7 @@
           <a:p>
             <a:fld id="{491B3254-5B19-4631-9777-F7D547A20732}" type="datetimeFigureOut">
               <a:rPr lang="en-US" smtClean="0"/>
-              <a:t>11/9/2022</a:t>
+              <a:t>12/2/2022</a:t>
             </a:fld>
             <a:endParaRPr lang="en-US"/>
           </a:p>
@@ -464,7 +464,7 @@
           <a:p>
             <a:fld id="{491B3254-5B19-4631-9777-F7D547A20732}" type="datetimeFigureOut">
               <a:rPr lang="en-US" smtClean="0"/>
-              <a:t>11/9/2022</a:t>
+              <a:t>12/2/2022</a:t>
             </a:fld>
             <a:endParaRPr lang="en-US"/>
           </a:p>
@@ -672,7 +672,7 @@
           <a:p>
             <a:fld id="{491B3254-5B19-4631-9777-F7D547A20732}" type="datetimeFigureOut">
               <a:rPr lang="en-US" smtClean="0"/>
-              <a:t>11/9/2022</a:t>
+              <a:t>12/2/2022</a:t>
             </a:fld>
             <a:endParaRPr lang="en-US"/>
           </a:p>
@@ -870,7 +870,7 @@
           <a:p>
             <a:fld id="{491B3254-5B19-4631-9777-F7D547A20732}" type="datetimeFigureOut">
               <a:rPr lang="en-US" smtClean="0"/>
-              <a:t>11/9/2022</a:t>
+              <a:t>12/2/2022</a:t>
             </a:fld>
             <a:endParaRPr lang="en-US"/>
           </a:p>
@@ -1145,7 +1145,7 @@
           <a:p>
             <a:fld id="{491B3254-5B19-4631-9777-F7D547A20732}" type="datetimeFigureOut">
               <a:rPr lang="en-US" smtClean="0"/>
-              <a:t>11/9/2022</a:t>
+              <a:t>12/2/2022</a:t>
             </a:fld>
             <a:endParaRPr lang="en-US"/>
           </a:p>
@@ -1410,7 +1410,7 @@
           <a:p>
             <a:fld id="{491B3254-5B19-4631-9777-F7D547A20732}" type="datetimeFigureOut">
               <a:rPr lang="en-US" smtClean="0"/>
-              <a:t>11/9/2022</a:t>
+              <a:t>12/2/2022</a:t>
             </a:fld>
             <a:endParaRPr lang="en-US"/>
           </a:p>
@@ -1822,7 +1822,7 @@
           <a:p>
             <a:fld id="{491B3254-5B19-4631-9777-F7D547A20732}" type="datetimeFigureOut">
               <a:rPr lang="en-US" smtClean="0"/>
-              <a:t>11/9/2022</a:t>
+              <a:t>12/2/2022</a:t>
             </a:fld>
             <a:endParaRPr lang="en-US"/>
           </a:p>
@@ -1963,7 +1963,7 @@
           <a:p>
             <a:fld id="{491B3254-5B19-4631-9777-F7D547A20732}" type="datetimeFigureOut">
               <a:rPr lang="en-US" smtClean="0"/>
-              <a:t>11/9/2022</a:t>
+              <a:t>12/2/2022</a:t>
             </a:fld>
             <a:endParaRPr lang="en-US"/>
           </a:p>
@@ -2076,7 +2076,7 @@
           <a:p>
             <a:fld id="{491B3254-5B19-4631-9777-F7D547A20732}" type="datetimeFigureOut">
               <a:rPr lang="en-US" smtClean="0"/>
-              <a:t>11/9/2022</a:t>
+              <a:t>12/2/2022</a:t>
             </a:fld>
             <a:endParaRPr lang="en-US"/>
           </a:p>
@@ -2387,7 +2387,7 @@
           <a:p>
             <a:fld id="{491B3254-5B19-4631-9777-F7D547A20732}" type="datetimeFigureOut">
               <a:rPr lang="en-US" smtClean="0"/>
-              <a:t>11/9/2022</a:t>
+              <a:t>12/2/2022</a:t>
             </a:fld>
             <a:endParaRPr lang="en-US"/>
           </a:p>
@@ -2675,7 +2675,7 @@
           <a:p>
             <a:fld id="{491B3254-5B19-4631-9777-F7D547A20732}" type="datetimeFigureOut">
               <a:rPr lang="en-US" smtClean="0"/>
-              <a:t>11/9/2022</a:t>
+              <a:t>12/2/2022</a:t>
             </a:fld>
             <a:endParaRPr lang="en-US"/>
           </a:p>
@@ -2916,7 +2916,7 @@
           <a:p>
             <a:fld id="{491B3254-5B19-4631-9777-F7D547A20732}" type="datetimeFigureOut">
               <a:rPr lang="en-US" smtClean="0"/>
-              <a:t>11/9/2022</a:t>
+              <a:t>12/2/2022</a:t>
             </a:fld>
             <a:endParaRPr lang="en-US"/>
           </a:p>
@@ -3449,10 +3449,10 @@
       </p:sp>
       <p:pic>
         <p:nvPicPr>
-          <p:cNvPr id="9" name="Content Placeholder 8">
-            <a:extLst>
-              <a:ext uri="{FF2B5EF4-FFF2-40B4-BE49-F238E27FC236}">
-                <a16:creationId xmlns:a16="http://schemas.microsoft.com/office/drawing/2014/main" id="{48B69CC1-1DEF-4DF9-079B-BAB899374311}"/>
+          <p:cNvPr id="12" name="Content Placeholder 11">
+            <a:extLst>
+              <a:ext uri="{FF2B5EF4-FFF2-40B4-BE49-F238E27FC236}">
+                <a16:creationId xmlns:a16="http://schemas.microsoft.com/office/drawing/2014/main" id="{03F48ECC-B8E7-7614-399A-37FB25AEF1FF}"/>
               </a:ext>
             </a:extLst>
           </p:cNvPr>
@@ -3477,8 +3477,8 @@
         </p:blipFill>
         <p:spPr>
           <a:xfrm>
-            <a:off x="2823976" y="1825625"/>
-            <a:ext cx="6544048" cy="4351338"/>
+            <a:off x="3166653" y="2105554"/>
+            <a:ext cx="5858693" cy="3791479"/>
           </a:xfrm>
         </p:spPr>
       </p:pic>
